--- a/Démonstration XSS & SQLi.pptx
+++ b/Démonstration XSS & SQLi.pptx
@@ -2753,15 +2753,22 @@
         <a:p>
           <a:pPr rtl="0"/>
           <a:r>
-            <a:rPr lang="fr-FR" sz="2000" noProof="0" dirty="0">
+            <a:rPr lang="fr-FR" sz="2000" noProof="0">
               <a:solidFill>
                 <a:schemeClr val="accent1">
                   <a:lumMod val="75000"/>
                 </a:schemeClr>
               </a:solidFill>
             </a:rPr>
-            <a:t>Exploitation</a:t>
-          </a:r>
+            <a:t>XSS&amp;SQLi</a:t>
+          </a:r>
+          <a:endParaRPr lang="fr-FR" sz="2000" noProof="0" dirty="0">
+            <a:solidFill>
+              <a:schemeClr val="accent1">
+                <a:lumMod val="75000"/>
+              </a:schemeClr>
+            </a:solidFill>
+          </a:endParaRPr>
         </a:p>
         <a:p>
           <a:pPr rtl="0"/>
@@ -5238,15 +5245,22 @@
             <a:buNone/>
           </a:pPr>
           <a:r>
-            <a:rPr lang="fr-FR" sz="2000" kern="1200" noProof="0" dirty="0">
+            <a:rPr lang="fr-FR" sz="2000" kern="1200" noProof="0">
               <a:solidFill>
                 <a:schemeClr val="accent1">
                   <a:lumMod val="75000"/>
                 </a:schemeClr>
               </a:solidFill>
             </a:rPr>
-            <a:t>Exploitation</a:t>
-          </a:r>
+            <a:t>XSS&amp;SQLi</a:t>
+          </a:r>
+          <a:endParaRPr lang="fr-FR" sz="2000" kern="1200" noProof="0" dirty="0">
+            <a:solidFill>
+              <a:schemeClr val="accent1">
+                <a:lumMod val="75000"/>
+              </a:schemeClr>
+            </a:solidFill>
+          </a:endParaRPr>
         </a:p>
         <a:p>
           <a:pPr marL="0" lvl="0" indent="0" algn="l" defTabSz="889000" rtl="0">
@@ -18343,11 +18357,9 @@
           <a:lstStyle/>
           <a:p>
             <a:r>
-              <a:rPr lang="fr-FR" sz="1800" dirty="0">
+              <a:rPr lang="fr-FR" sz="1800" b="1" dirty="0">
                 <a:solidFill>
-                  <a:schemeClr val="tx2">
-                    <a:lumMod val="25000"/>
-                    <a:lumOff val="75000"/>
+                  <a:schemeClr val="accent1">
                     <a:alpha val="75000"/>
                   </a:schemeClr>
                 </a:solidFill>
@@ -18355,22 +18367,18 @@
               <a:t>Démonstration XSS &amp; </a:t>
             </a:r>
             <a:r>
-              <a:rPr lang="fr-FR" sz="1800" dirty="0" err="1">
+              <a:rPr lang="fr-FR" sz="1800" b="1" dirty="0" err="1">
                 <a:solidFill>
-                  <a:schemeClr val="tx2">
-                    <a:lumMod val="25000"/>
-                    <a:lumOff val="75000"/>
+                  <a:schemeClr val="accent1">
                     <a:alpha val="75000"/>
                   </a:schemeClr>
                 </a:solidFill>
               </a:rPr>
               <a:t>SQLi</a:t>
             </a:r>
-            <a:endParaRPr lang="fr-FR" sz="1800" dirty="0">
+            <a:endParaRPr lang="fr-FR" sz="1800" b="1" dirty="0">
               <a:solidFill>
-                <a:schemeClr val="tx2">
-                  <a:lumMod val="25000"/>
-                  <a:lumOff val="75000"/>
+                <a:schemeClr val="accent1">
                   <a:alpha val="75000"/>
                 </a:schemeClr>
               </a:solidFill>
@@ -18380,10 +18388,10 @@
       </p:sp>
       <p:pic>
         <p:nvPicPr>
-          <p:cNvPr id="4" name="Image 3" descr="personnes assemblées autour d'un plan">
+          <p:cNvPr id="6" name="Image 5">
             <a:extLst>
               <a:ext uri="{FF2B5EF4-FFF2-40B4-BE49-F238E27FC236}">
-                <a16:creationId xmlns:a16="http://schemas.microsoft.com/office/drawing/2014/main" id="{424717DA-0300-4297-B453-65314C5BEA09}"/>
+                <a16:creationId xmlns:a16="http://schemas.microsoft.com/office/drawing/2014/main" id="{8238574D-09AF-92A6-D630-F36FC0E55C13}"/>
               </a:ext>
             </a:extLst>
           </p:cNvPr>
@@ -18394,13 +18402,14 @@
         </p:nvPicPr>
         <p:blipFill>
           <a:blip r:embed="rId3"/>
-          <a:srcRect/>
-          <a:stretch/>
+          <a:stretch>
+            <a:fillRect/>
+          </a:stretch>
         </p:blipFill>
         <p:spPr>
           <a:xfrm>
-            <a:off x="367026" y="481999"/>
-            <a:ext cx="7588885" cy="5894002"/>
+            <a:off x="8464974" y="457199"/>
+            <a:ext cx="2350510" cy="4774935"/>
           </a:xfrm>
           <a:prstGeom prst="rect">
             <a:avLst/>
@@ -18409,10 +18418,10 @@
       </p:pic>
       <p:pic>
         <p:nvPicPr>
-          <p:cNvPr id="6" name="Image 5">
+          <p:cNvPr id="8" name="Image 7">
             <a:extLst>
               <a:ext uri="{FF2B5EF4-FFF2-40B4-BE49-F238E27FC236}">
-                <a16:creationId xmlns:a16="http://schemas.microsoft.com/office/drawing/2014/main" id="{8238574D-09AF-92A6-D630-F36FC0E55C13}"/>
+                <a16:creationId xmlns:a16="http://schemas.microsoft.com/office/drawing/2014/main" id="{380D6F2C-615A-406D-62B9-D2D7BFEEB439}"/>
               </a:ext>
             </a:extLst>
           </p:cNvPr>
@@ -18429,8 +18438,8 @@
         </p:blipFill>
         <p:spPr>
           <a:xfrm>
-            <a:off x="8464974" y="457199"/>
-            <a:ext cx="2350510" cy="4774935"/>
+            <a:off x="617261" y="457199"/>
+            <a:ext cx="6896546" cy="5899652"/>
           </a:xfrm>
           <a:prstGeom prst="rect">
             <a:avLst/>
@@ -18970,7 +18979,7 @@
                   <a:srgbClr val="FFFEFF"/>
                 </a:solidFill>
               </a:rPr>
-              <a:t>Plan du cours</a:t>
+              <a:t>Plan DE LA DEMO</a:t>
             </a:r>
           </a:p>
         </p:txBody>
@@ -19174,7 +19183,7 @@
             <p:ph idx="4294967295"/>
             <p:extLst>
               <p:ext uri="{D42A27DB-BD31-4B8C-83A1-F6EECF244321}">
-                <p14:modId xmlns:p14="http://schemas.microsoft.com/office/powerpoint/2010/main" val="233297717"/>
+                <p14:modId xmlns:p14="http://schemas.microsoft.com/office/powerpoint/2010/main" val="1757351724"/>
               </p:ext>
             </p:extLst>
           </p:nvPr>
